--- a/장우민_PPT.pptx
+++ b/장우민_PPT.pptx
@@ -8,10 +8,10 @@
     <p:sldId id="256" r:id="rId2"/>
     <p:sldId id="257" r:id="rId3"/>
     <p:sldId id="258" r:id="rId4"/>
-    <p:sldId id="259" r:id="rId5"/>
-    <p:sldId id="260" r:id="rId6"/>
-    <p:sldId id="261" r:id="rId7"/>
-    <p:sldId id="262" r:id="rId8"/>
+    <p:sldId id="262" r:id="rId5"/>
+    <p:sldId id="259" r:id="rId6"/>
+    <p:sldId id="260" r:id="rId7"/>
+    <p:sldId id="261" r:id="rId8"/>
   </p:sldIdLst>
   <p:sldSz cx="12192000" cy="6858000"/>
   <p:notesSz cx="6858000" cy="9144000"/>
@@ -110,6 +110,11 @@
       </a:defRPr>
     </a:lvl9pPr>
   </p:defaultTextStyle>
+  <p:extLst>
+    <p:ext uri="{EFAFB233-063F-42B5-8137-9DF3F51BA10A}">
+      <p15:sldGuideLst xmlns:p15="http://schemas.microsoft.com/office/powerpoint/2012/main"/>
+    </p:ext>
+  </p:extLst>
 </p:presentation>
 </file>
 
@@ -4594,58 +4599,19 @@
           <a:chExt cx="0" cy="0"/>
         </a:xfrm>
       </p:grpSpPr>
-      <p:sp>
-        <p:nvSpPr>
-          <p:cNvPr id="2" name="제목 1">
-            <a:extLst>
-              <a:ext uri="{FF2B5EF4-FFF2-40B4-BE49-F238E27FC236}">
-                <a16:creationId xmlns:a16="http://schemas.microsoft.com/office/drawing/2014/main" id="{9EDC0DC9-B095-9929-AC49-4DDC2304F7D1}"/>
-              </a:ext>
-            </a:extLst>
-          </p:cNvPr>
-          <p:cNvSpPr>
-            <a:spLocks noGrp="1"/>
-          </p:cNvSpPr>
-          <p:nvPr>
-            <p:ph type="title"/>
-          </p:nvPr>
-        </p:nvSpPr>
-        <p:spPr/>
-        <p:txBody>
-          <a:bodyPr/>
-          <a:lstStyle/>
-          <a:p>
-            <a:r>
-              <a:rPr kumimoji="1" lang="ko-Kore-KR" altLang="en-US" dirty="0"/>
-              <a:t>사용한</a:t>
-            </a:r>
-            <a:r>
-              <a:rPr kumimoji="1" lang="ko-KR" altLang="en-US" dirty="0"/>
-              <a:t> </a:t>
-            </a:r>
-            <a:r>
-              <a:rPr kumimoji="1" lang="ko-KR" altLang="en-US" dirty="0" err="1"/>
-              <a:t>에셋</a:t>
-            </a:r>
-            <a:endParaRPr kumimoji="1" lang="ko-Kore-KR" altLang="en-US" dirty="0"/>
-          </a:p>
-        </p:txBody>
-      </p:sp>
       <p:pic>
         <p:nvPicPr>
-          <p:cNvPr id="6" name="내용 개체 틀 5" descr="스크린샷, 일렉트릭 블루, 블루, 디자인이(가) 표시된 사진&#10;&#10;자동 생성된 설명">
-            <a:extLst>
-              <a:ext uri="{FF2B5EF4-FFF2-40B4-BE49-F238E27FC236}">
-                <a16:creationId xmlns:a16="http://schemas.microsoft.com/office/drawing/2014/main" id="{378D135F-6D41-4925-0F3C-7A2673648006}"/>
+          <p:cNvPr id="4" name="그림 3">
+            <a:extLst>
+              <a:ext uri="{FF2B5EF4-FFF2-40B4-BE49-F238E27FC236}">
+                <a16:creationId xmlns:a16="http://schemas.microsoft.com/office/drawing/2014/main" id="{91E482A4-10AF-6DA3-5F10-A82CFAF1BE43}"/>
               </a:ext>
             </a:extLst>
           </p:cNvPr>
           <p:cNvPicPr>
-            <a:picLocks noGrp="1" noChangeAspect="1"/>
+            <a:picLocks noChangeAspect="1"/>
           </p:cNvPicPr>
-          <p:nvPr>
-            <p:ph idx="1"/>
-          </p:nvPr>
+          <p:nvPr/>
         </p:nvPicPr>
         <p:blipFill>
           <a:blip r:embed="rId2"/>
@@ -4655,17 +4621,20 @@
         </p:blipFill>
         <p:spPr>
           <a:xfrm>
-            <a:off x="3094703" y="2883259"/>
-            <a:ext cx="1485900" cy="1346200"/>
+            <a:off x="2209800" y="1088770"/>
+            <a:ext cx="7772400" cy="4680460"/>
           </a:xfrm>
+          <a:prstGeom prst="rect">
+            <a:avLst/>
+          </a:prstGeom>
         </p:spPr>
       </p:pic>
       <p:sp>
         <p:nvSpPr>
-          <p:cNvPr id="7" name="TextBox 6">
-            <a:extLst>
-              <a:ext uri="{FF2B5EF4-FFF2-40B4-BE49-F238E27FC236}">
-                <a16:creationId xmlns:a16="http://schemas.microsoft.com/office/drawing/2014/main" id="{AB476543-7E44-990B-B362-0D7148543477}"/>
+          <p:cNvPr id="5" name="TextBox 4">
+            <a:extLst>
+              <a:ext uri="{FF2B5EF4-FFF2-40B4-BE49-F238E27FC236}">
+                <a16:creationId xmlns:a16="http://schemas.microsoft.com/office/drawing/2014/main" id="{4E7AACBC-56D8-5B65-B611-B53EE2DF0D9B}"/>
               </a:ext>
             </a:extLst>
           </p:cNvPr>
@@ -4674,8 +4643,8 @@
         </p:nvSpPr>
         <p:spPr>
           <a:xfrm>
-            <a:off x="5456902" y="3429000"/>
-            <a:ext cx="3858749" cy="369332"/>
+            <a:off x="567120" y="534772"/>
+            <a:ext cx="2194832" cy="553998"/>
           </a:xfrm>
           <a:prstGeom prst="rect">
             <a:avLst/>
@@ -4689,21 +4658,21 @@
           <a:lstStyle/>
           <a:p>
             <a:r>
-              <a:rPr kumimoji="1" lang="ko-Kore-KR" altLang="en-US" dirty="0"/>
-              <a:t>컴퓨터</a:t>
-            </a:r>
-            <a:r>
-              <a:rPr kumimoji="1" lang="ko-KR" altLang="en-US" dirty="0"/>
-              <a:t> 하드에 굴러다니는 음악 파일</a:t>
-            </a:r>
-            <a:endParaRPr kumimoji="1" lang="ko-Kore-KR" altLang="en-US" dirty="0"/>
+              <a:rPr kumimoji="1" lang="ko-Kore-KR" altLang="en-US" sz="3000" dirty="0"/>
+              <a:t>플로우</a:t>
+            </a:r>
+            <a:r>
+              <a:rPr kumimoji="1" lang="ko-KR" altLang="en-US" sz="3000" dirty="0"/>
+              <a:t> 차트</a:t>
+            </a:r>
+            <a:endParaRPr kumimoji="1" lang="ko-Kore-KR" altLang="en-US" sz="3000" dirty="0"/>
           </a:p>
         </p:txBody>
       </p:sp>
     </p:spTree>
     <p:extLst>
       <p:ext uri="{BB962C8B-B14F-4D97-AF65-F5344CB8AC3E}">
-        <p14:creationId xmlns:p14="http://schemas.microsoft.com/office/powerpoint/2010/main" val="3159813652"/>
+        <p14:creationId xmlns:p14="http://schemas.microsoft.com/office/powerpoint/2010/main" val="2821282181"/>
       </p:ext>
     </p:extLst>
   </p:cSld>
@@ -4730,12 +4699,49 @@
           <a:chExt cx="0" cy="0"/>
         </a:xfrm>
       </p:grpSpPr>
+      <p:sp>
+        <p:nvSpPr>
+          <p:cNvPr id="2" name="제목 1">
+            <a:extLst>
+              <a:ext uri="{FF2B5EF4-FFF2-40B4-BE49-F238E27FC236}">
+                <a16:creationId xmlns:a16="http://schemas.microsoft.com/office/drawing/2014/main" id="{9EDC0DC9-B095-9929-AC49-4DDC2304F7D1}"/>
+              </a:ext>
+            </a:extLst>
+          </p:cNvPr>
+          <p:cNvSpPr>
+            <a:spLocks noGrp="1"/>
+          </p:cNvSpPr>
+          <p:nvPr>
+            <p:ph type="title"/>
+          </p:nvPr>
+        </p:nvSpPr>
+        <p:spPr/>
+        <p:txBody>
+          <a:bodyPr/>
+          <a:lstStyle/>
+          <a:p>
+            <a:r>
+              <a:rPr kumimoji="1" lang="ko-Kore-KR" altLang="en-US" dirty="0"/>
+              <a:t>사용한</a:t>
+            </a:r>
+            <a:r>
+              <a:rPr kumimoji="1" lang="ko-KR" altLang="en-US" dirty="0"/>
+              <a:t> </a:t>
+            </a:r>
+            <a:r>
+              <a:rPr kumimoji="1" lang="ko-KR" altLang="en-US" dirty="0" err="1"/>
+              <a:t>에셋</a:t>
+            </a:r>
+            <a:endParaRPr kumimoji="1" lang="ko-Kore-KR" altLang="en-US" dirty="0"/>
+          </a:p>
+        </p:txBody>
+      </p:sp>
       <p:pic>
         <p:nvPicPr>
-          <p:cNvPr id="9" name="내용 개체 틀 8" descr="의류, 사람, 벽, 스크린샷이(가) 표시된 사진&#10;&#10;자동 생성된 설명">
-            <a:extLst>
-              <a:ext uri="{FF2B5EF4-FFF2-40B4-BE49-F238E27FC236}">
-                <a16:creationId xmlns:a16="http://schemas.microsoft.com/office/drawing/2014/main" id="{147A46F7-1C9C-3E7B-8CAB-848F92229FEA}"/>
+          <p:cNvPr id="6" name="내용 개체 틀 5" descr="스크린샷, 일렉트릭 블루, 블루, 디자인이(가) 표시된 사진&#10;&#10;자동 생성된 설명">
+            <a:extLst>
+              <a:ext uri="{FF2B5EF4-FFF2-40B4-BE49-F238E27FC236}">
+                <a16:creationId xmlns:a16="http://schemas.microsoft.com/office/drawing/2014/main" id="{378D135F-6D41-4925-0F3C-7A2673648006}"/>
               </a:ext>
             </a:extLst>
           </p:cNvPr>
@@ -4754,17 +4760,17 @@
         </p:blipFill>
         <p:spPr>
           <a:xfrm>
-            <a:off x="0" y="0"/>
-            <a:ext cx="12192000" cy="6858000"/>
+            <a:off x="3094703" y="2883259"/>
+            <a:ext cx="1485900" cy="1346200"/>
           </a:xfrm>
         </p:spPr>
       </p:pic>
       <p:sp>
         <p:nvSpPr>
-          <p:cNvPr id="10" name="TextBox 9">
-            <a:extLst>
-              <a:ext uri="{FF2B5EF4-FFF2-40B4-BE49-F238E27FC236}">
-                <a16:creationId xmlns:a16="http://schemas.microsoft.com/office/drawing/2014/main" id="{7F7E0D83-BDF4-5B63-C671-222179666E27}"/>
+          <p:cNvPr id="7" name="TextBox 6">
+            <a:extLst>
+              <a:ext uri="{FF2B5EF4-FFF2-40B4-BE49-F238E27FC236}">
+                <a16:creationId xmlns:a16="http://schemas.microsoft.com/office/drawing/2014/main" id="{AB476543-7E44-990B-B362-0D7148543477}"/>
               </a:ext>
             </a:extLst>
           </p:cNvPr>
@@ -4773,8 +4779,8 @@
         </p:nvSpPr>
         <p:spPr>
           <a:xfrm>
-            <a:off x="0" y="1150375"/>
-            <a:ext cx="2651688" cy="646331"/>
+            <a:off x="5456902" y="3429000"/>
+            <a:ext cx="3858749" cy="369332"/>
           </a:xfrm>
           <a:prstGeom prst="rect">
             <a:avLst/>
@@ -4789,122 +4795,20 @@
           <a:p>
             <a:r>
               <a:rPr kumimoji="1" lang="ko-Kore-KR" altLang="en-US" dirty="0"/>
-              <a:t>환경</a:t>
+              <a:t>컴퓨터</a:t>
             </a:r>
             <a:r>
               <a:rPr kumimoji="1" lang="ko-KR" altLang="en-US" dirty="0"/>
-              <a:t> 설정 버튼</a:t>
-            </a:r>
-            <a:endParaRPr kumimoji="1" lang="en-US" altLang="ko-KR" dirty="0"/>
-          </a:p>
-          <a:p>
-            <a:r>
-              <a:rPr kumimoji="1" lang="ko-KR" altLang="en-US" dirty="0" err="1"/>
-              <a:t>배경음</a:t>
-            </a:r>
-            <a:r>
-              <a:rPr kumimoji="1" lang="ko-KR" altLang="en-US" dirty="0"/>
-              <a:t> </a:t>
-            </a:r>
-            <a:r>
-              <a:rPr kumimoji="1" lang="ko-Kore-KR" altLang="en-US" dirty="0"/>
-              <a:t>효과음</a:t>
-            </a:r>
-            <a:r>
-              <a:rPr kumimoji="1" lang="ko-KR" altLang="en-US" dirty="0"/>
-              <a:t> 조절 가능</a:t>
-            </a:r>
-            <a:endParaRPr kumimoji="1" lang="en-US" altLang="ko-KR" dirty="0"/>
-          </a:p>
-        </p:txBody>
-      </p:sp>
-      <p:sp>
-        <p:nvSpPr>
-          <p:cNvPr id="11" name="TextBox 10">
-            <a:extLst>
-              <a:ext uri="{FF2B5EF4-FFF2-40B4-BE49-F238E27FC236}">
-                <a16:creationId xmlns:a16="http://schemas.microsoft.com/office/drawing/2014/main" id="{4EA9BB89-8C85-2612-C339-03A23B47A0D0}"/>
-              </a:ext>
-            </a:extLst>
-          </p:cNvPr>
-          <p:cNvSpPr txBox="1"/>
-          <p:nvPr/>
-        </p:nvSpPr>
-        <p:spPr>
-          <a:xfrm>
-            <a:off x="10530349" y="1150375"/>
-            <a:ext cx="1391728" cy="369332"/>
-          </a:xfrm>
-          <a:prstGeom prst="rect">
-            <a:avLst/>
-          </a:prstGeom>
-          <a:noFill/>
-        </p:spPr>
-        <p:txBody>
-          <a:bodyPr wrap="none" rtlCol="0">
-            <a:spAutoFit/>
-          </a:bodyPr>
-          <a:lstStyle/>
-          <a:p>
-            <a:r>
-              <a:rPr kumimoji="1" lang="ko-Kore-KR" altLang="en-US" dirty="0"/>
-              <a:t>나가기</a:t>
-            </a:r>
-            <a:r>
-              <a:rPr kumimoji="1" lang="ko-KR" altLang="en-US" dirty="0"/>
-              <a:t> 버튼</a:t>
+              <a:t> 하드에 굴러다니는 음악 파일</a:t>
             </a:r>
             <a:endParaRPr kumimoji="1" lang="ko-Kore-KR" altLang="en-US" dirty="0"/>
-          </a:p>
-        </p:txBody>
-      </p:sp>
-      <p:sp>
-        <p:nvSpPr>
-          <p:cNvPr id="12" name="TextBox 11">
-            <a:extLst>
-              <a:ext uri="{FF2B5EF4-FFF2-40B4-BE49-F238E27FC236}">
-                <a16:creationId xmlns:a16="http://schemas.microsoft.com/office/drawing/2014/main" id="{D63C4D5F-87A4-9DB0-785A-2CF07F5FDAB2}"/>
-              </a:ext>
-            </a:extLst>
-          </p:cNvPr>
-          <p:cNvSpPr txBox="1"/>
-          <p:nvPr/>
-        </p:nvSpPr>
-        <p:spPr>
-          <a:xfrm>
-            <a:off x="5810865" y="4837471"/>
-            <a:ext cx="1160895" cy="369332"/>
-          </a:xfrm>
-          <a:prstGeom prst="rect">
-            <a:avLst/>
-          </a:prstGeom>
-          <a:noFill/>
-        </p:spPr>
-        <p:txBody>
-          <a:bodyPr wrap="none" rtlCol="0">
-            <a:spAutoFit/>
-          </a:bodyPr>
-          <a:lstStyle/>
-          <a:p>
-            <a:r>
-              <a:rPr kumimoji="1" lang="ko-Kore-KR" altLang="en-US" dirty="0"/>
-              <a:t>게임</a:t>
-            </a:r>
-            <a:r>
-              <a:rPr kumimoji="1" lang="ko-KR" altLang="en-US" dirty="0"/>
-              <a:t> </a:t>
-            </a:r>
-            <a:r>
-              <a:rPr kumimoji="1" lang="ko-Kore-KR" altLang="en-US" dirty="0"/>
-              <a:t>시작</a:t>
-            </a:r>
           </a:p>
         </p:txBody>
       </p:sp>
     </p:spTree>
     <p:extLst>
       <p:ext uri="{BB962C8B-B14F-4D97-AF65-F5344CB8AC3E}">
-        <p14:creationId xmlns:p14="http://schemas.microsoft.com/office/powerpoint/2010/main" val="2256248396"/>
+        <p14:creationId xmlns:p14="http://schemas.microsoft.com/office/powerpoint/2010/main" val="3159813652"/>
       </p:ext>
     </p:extLst>
   </p:cSld>
@@ -4931,37 +4835,12 @@
           <a:chExt cx="0" cy="0"/>
         </a:xfrm>
       </p:grpSpPr>
-      <p:sp>
-        <p:nvSpPr>
-          <p:cNvPr id="2" name="제목 1">
-            <a:extLst>
-              <a:ext uri="{FF2B5EF4-FFF2-40B4-BE49-F238E27FC236}">
-                <a16:creationId xmlns:a16="http://schemas.microsoft.com/office/drawing/2014/main" id="{1631E5AB-61F1-4EA8-40CA-C9FA56BF2B0E}"/>
-              </a:ext>
-            </a:extLst>
-          </p:cNvPr>
-          <p:cNvSpPr>
-            <a:spLocks noGrp="1"/>
-          </p:cNvSpPr>
-          <p:nvPr>
-            <p:ph type="title"/>
-          </p:nvPr>
-        </p:nvSpPr>
-        <p:spPr/>
-        <p:txBody>
-          <a:bodyPr/>
-          <a:lstStyle/>
-          <a:p>
-            <a:endParaRPr kumimoji="1" lang="ko-Kore-KR" altLang="en-US"/>
-          </a:p>
-        </p:txBody>
-      </p:sp>
       <p:pic>
         <p:nvPicPr>
-          <p:cNvPr id="5" name="내용 개체 틀 4" descr="텍스트, 스크린샷, 명함, 인간의 얼굴이(가) 표시된 사진&#10;&#10;자동 생성된 설명">
-            <a:extLst>
-              <a:ext uri="{FF2B5EF4-FFF2-40B4-BE49-F238E27FC236}">
-                <a16:creationId xmlns:a16="http://schemas.microsoft.com/office/drawing/2014/main" id="{EE64B837-6D6B-A4DB-2C82-3366C8CE9779}"/>
+          <p:cNvPr id="9" name="내용 개체 틀 8" descr="의류, 사람, 벽, 스크린샷이(가) 표시된 사진&#10;&#10;자동 생성된 설명">
+            <a:extLst>
+              <a:ext uri="{FF2B5EF4-FFF2-40B4-BE49-F238E27FC236}">
+                <a16:creationId xmlns:a16="http://schemas.microsoft.com/office/drawing/2014/main" id="{147A46F7-1C9C-3E7B-8CAB-848F92229FEA}"/>
               </a:ext>
             </a:extLst>
           </p:cNvPr>
@@ -4987,10 +4866,10 @@
       </p:pic>
       <p:sp>
         <p:nvSpPr>
-          <p:cNvPr id="6" name="TextBox 5">
-            <a:extLst>
-              <a:ext uri="{FF2B5EF4-FFF2-40B4-BE49-F238E27FC236}">
-                <a16:creationId xmlns:a16="http://schemas.microsoft.com/office/drawing/2014/main" id="{A5BE6946-366A-9C20-3986-A987BC316C09}"/>
+          <p:cNvPr id="10" name="TextBox 9">
+            <a:extLst>
+              <a:ext uri="{FF2B5EF4-FFF2-40B4-BE49-F238E27FC236}">
+                <a16:creationId xmlns:a16="http://schemas.microsoft.com/office/drawing/2014/main" id="{7F7E0D83-BDF4-5B63-C671-222179666E27}"/>
               </a:ext>
             </a:extLst>
           </p:cNvPr>
@@ -4999,8 +4878,8 @@
         </p:nvSpPr>
         <p:spPr>
           <a:xfrm>
-            <a:off x="6096000" y="5515896"/>
-            <a:ext cx="646331" cy="369332"/>
+            <a:off x="0" y="1150375"/>
+            <a:ext cx="2651688" cy="646331"/>
           </a:xfrm>
           <a:prstGeom prst="rect">
             <a:avLst/>
@@ -5015,17 +4894,41 @@
           <a:p>
             <a:r>
               <a:rPr kumimoji="1" lang="ko-Kore-KR" altLang="en-US" dirty="0"/>
-              <a:t>재생</a:t>
-            </a:r>
-          </a:p>
-        </p:txBody>
-      </p:sp>
-      <p:sp>
-        <p:nvSpPr>
-          <p:cNvPr id="7" name="TextBox 6">
-            <a:extLst>
-              <a:ext uri="{FF2B5EF4-FFF2-40B4-BE49-F238E27FC236}">
-                <a16:creationId xmlns:a16="http://schemas.microsoft.com/office/drawing/2014/main" id="{E7077453-1C9D-68D8-9744-3FB44551A3C8}"/>
+              <a:t>환경</a:t>
+            </a:r>
+            <a:r>
+              <a:rPr kumimoji="1" lang="ko-KR" altLang="en-US" dirty="0"/>
+              <a:t> 설정 버튼</a:t>
+            </a:r>
+            <a:endParaRPr kumimoji="1" lang="en-US" altLang="ko-KR" dirty="0"/>
+          </a:p>
+          <a:p>
+            <a:r>
+              <a:rPr kumimoji="1" lang="ko-KR" altLang="en-US" dirty="0" err="1"/>
+              <a:t>배경음</a:t>
+            </a:r>
+            <a:r>
+              <a:rPr kumimoji="1" lang="ko-KR" altLang="en-US" dirty="0"/>
+              <a:t> </a:t>
+            </a:r>
+            <a:r>
+              <a:rPr kumimoji="1" lang="ko-Kore-KR" altLang="en-US" dirty="0"/>
+              <a:t>효과음</a:t>
+            </a:r>
+            <a:r>
+              <a:rPr kumimoji="1" lang="ko-KR" altLang="en-US" dirty="0"/>
+              <a:t> 조절 가능</a:t>
+            </a:r>
+            <a:endParaRPr kumimoji="1" lang="en-US" altLang="ko-KR" dirty="0"/>
+          </a:p>
+        </p:txBody>
+      </p:sp>
+      <p:sp>
+        <p:nvSpPr>
+          <p:cNvPr id="11" name="TextBox 10">
+            <a:extLst>
+              <a:ext uri="{FF2B5EF4-FFF2-40B4-BE49-F238E27FC236}">
+                <a16:creationId xmlns:a16="http://schemas.microsoft.com/office/drawing/2014/main" id="{4EA9BB89-8C85-2612-C339-03A23B47A0D0}"/>
               </a:ext>
             </a:extLst>
           </p:cNvPr>
@@ -5034,8 +4937,8 @@
         </p:nvSpPr>
         <p:spPr>
           <a:xfrm>
-            <a:off x="3844413" y="5515896"/>
-            <a:ext cx="646331" cy="369332"/>
+            <a:off x="10530349" y="1150375"/>
+            <a:ext cx="1391728" cy="369332"/>
           </a:xfrm>
           <a:prstGeom prst="rect">
             <a:avLst/>
@@ -5050,17 +4953,22 @@
           <a:p>
             <a:r>
               <a:rPr kumimoji="1" lang="ko-Kore-KR" altLang="en-US" dirty="0"/>
-              <a:t>정지</a:t>
-            </a:r>
-          </a:p>
-        </p:txBody>
-      </p:sp>
-      <p:sp>
-        <p:nvSpPr>
-          <p:cNvPr id="8" name="TextBox 7">
-            <a:extLst>
-              <a:ext uri="{FF2B5EF4-FFF2-40B4-BE49-F238E27FC236}">
-                <a16:creationId xmlns:a16="http://schemas.microsoft.com/office/drawing/2014/main" id="{A0A8788D-7DD4-4D9C-B3CB-875C99C3967E}"/>
+              <a:t>나가기</a:t>
+            </a:r>
+            <a:r>
+              <a:rPr kumimoji="1" lang="ko-KR" altLang="en-US" dirty="0"/>
+              <a:t> 버튼</a:t>
+            </a:r>
+            <a:endParaRPr kumimoji="1" lang="ko-Kore-KR" altLang="en-US" dirty="0"/>
+          </a:p>
+        </p:txBody>
+      </p:sp>
+      <p:sp>
+        <p:nvSpPr>
+          <p:cNvPr id="12" name="TextBox 11">
+            <a:extLst>
+              <a:ext uri="{FF2B5EF4-FFF2-40B4-BE49-F238E27FC236}">
+                <a16:creationId xmlns:a16="http://schemas.microsoft.com/office/drawing/2014/main" id="{D63C4D5F-87A4-9DB0-785A-2CF07F5FDAB2}"/>
               </a:ext>
             </a:extLst>
           </p:cNvPr>
@@ -5069,7 +4977,7 @@
         </p:nvSpPr>
         <p:spPr>
           <a:xfrm>
-            <a:off x="8096864" y="5501147"/>
+            <a:off x="5810865" y="4837471"/>
             <a:ext cx="1160895" cy="369332"/>
           </a:xfrm>
           <a:prstGeom prst="rect">
@@ -5085,56 +4993,23 @@
           <a:p>
             <a:r>
               <a:rPr kumimoji="1" lang="ko-Kore-KR" altLang="en-US" dirty="0"/>
-              <a:t>다음</a:t>
+              <a:t>게임</a:t>
             </a:r>
             <a:r>
               <a:rPr kumimoji="1" lang="ko-KR" altLang="en-US" dirty="0"/>
-              <a:t> 문제</a:t>
-            </a:r>
-            <a:endParaRPr kumimoji="1" lang="ko-Kore-KR" altLang="en-US" dirty="0"/>
-          </a:p>
-        </p:txBody>
-      </p:sp>
-      <p:sp>
-        <p:nvSpPr>
-          <p:cNvPr id="9" name="TextBox 8">
-            <a:extLst>
-              <a:ext uri="{FF2B5EF4-FFF2-40B4-BE49-F238E27FC236}">
-                <a16:creationId xmlns:a16="http://schemas.microsoft.com/office/drawing/2014/main" id="{8386D4FF-2BCD-3963-7C1A-56E642B673E7}"/>
-              </a:ext>
-            </a:extLst>
-          </p:cNvPr>
-          <p:cNvSpPr txBox="1"/>
-          <p:nvPr/>
-        </p:nvSpPr>
-        <p:spPr>
-          <a:xfrm>
-            <a:off x="5899010" y="2703870"/>
-            <a:ext cx="646331" cy="369332"/>
-          </a:xfrm>
-          <a:prstGeom prst="rect">
-            <a:avLst/>
-          </a:prstGeom>
-          <a:noFill/>
-        </p:spPr>
-        <p:txBody>
-          <a:bodyPr wrap="none" rtlCol="0">
-            <a:spAutoFit/>
-          </a:bodyPr>
-          <a:lstStyle/>
-          <a:p>
-            <a:r>
-              <a:rPr kumimoji="1" lang="ko-KR" altLang="en-US" dirty="0"/>
-              <a:t>정답</a:t>
-            </a:r>
-            <a:endParaRPr kumimoji="1" lang="ko-Kore-KR" altLang="en-US" dirty="0"/>
+              <a:t> </a:t>
+            </a:r>
+            <a:r>
+              <a:rPr kumimoji="1" lang="ko-Kore-KR" altLang="en-US" dirty="0"/>
+              <a:t>시작</a:t>
+            </a:r>
           </a:p>
         </p:txBody>
       </p:sp>
     </p:spTree>
     <p:extLst>
       <p:ext uri="{BB962C8B-B14F-4D97-AF65-F5344CB8AC3E}">
-        <p14:creationId xmlns:p14="http://schemas.microsoft.com/office/powerpoint/2010/main" val="2916667053"/>
+        <p14:creationId xmlns:p14="http://schemas.microsoft.com/office/powerpoint/2010/main" val="2256248396"/>
       </p:ext>
     </p:extLst>
   </p:cSld>
@@ -5166,7 +5041,7 @@
           <p:cNvPr id="2" name="제목 1">
             <a:extLst>
               <a:ext uri="{FF2B5EF4-FFF2-40B4-BE49-F238E27FC236}">
-                <a16:creationId xmlns:a16="http://schemas.microsoft.com/office/drawing/2014/main" id="{1FC06E02-C7AA-E326-ED81-6C43745DBC61}"/>
+                <a16:creationId xmlns:a16="http://schemas.microsoft.com/office/drawing/2014/main" id="{1631E5AB-61F1-4EA8-40CA-C9FA56BF2B0E}"/>
               </a:ext>
             </a:extLst>
           </p:cNvPr>
@@ -5186,27 +5061,177 @@
           </a:p>
         </p:txBody>
       </p:sp>
-      <p:sp>
-        <p:nvSpPr>
-          <p:cNvPr id="3" name="내용 개체 틀 2">
-            <a:extLst>
-              <a:ext uri="{FF2B5EF4-FFF2-40B4-BE49-F238E27FC236}">
-                <a16:creationId xmlns:a16="http://schemas.microsoft.com/office/drawing/2014/main" id="{864DFE4D-2988-F435-9D6C-51B81245C9A1}"/>
-              </a:ext>
-            </a:extLst>
-          </p:cNvPr>
-          <p:cNvSpPr>
-            <a:spLocks noGrp="1"/>
-          </p:cNvSpPr>
+      <p:pic>
+        <p:nvPicPr>
+          <p:cNvPr id="5" name="내용 개체 틀 4" descr="텍스트, 스크린샷, 명함, 인간의 얼굴이(가) 표시된 사진&#10;&#10;자동 생성된 설명">
+            <a:extLst>
+              <a:ext uri="{FF2B5EF4-FFF2-40B4-BE49-F238E27FC236}">
+                <a16:creationId xmlns:a16="http://schemas.microsoft.com/office/drawing/2014/main" id="{EE64B837-6D6B-A4DB-2C82-3366C8CE9779}"/>
+              </a:ext>
+            </a:extLst>
+          </p:cNvPr>
+          <p:cNvPicPr>
+            <a:picLocks noGrp="1" noChangeAspect="1"/>
+          </p:cNvPicPr>
           <p:nvPr>
             <p:ph idx="1"/>
           </p:nvPr>
-        </p:nvSpPr>
-        <p:spPr/>
-        <p:txBody>
-          <a:bodyPr/>
-          <a:lstStyle/>
-          <a:p>
+        </p:nvPicPr>
+        <p:blipFill>
+          <a:blip r:embed="rId2"/>
+          <a:stretch>
+            <a:fillRect/>
+          </a:stretch>
+        </p:blipFill>
+        <p:spPr>
+          <a:xfrm>
+            <a:off x="0" y="0"/>
+            <a:ext cx="12192000" cy="6858000"/>
+          </a:xfrm>
+        </p:spPr>
+      </p:pic>
+      <p:sp>
+        <p:nvSpPr>
+          <p:cNvPr id="6" name="TextBox 5">
+            <a:extLst>
+              <a:ext uri="{FF2B5EF4-FFF2-40B4-BE49-F238E27FC236}">
+                <a16:creationId xmlns:a16="http://schemas.microsoft.com/office/drawing/2014/main" id="{A5BE6946-366A-9C20-3986-A987BC316C09}"/>
+              </a:ext>
+            </a:extLst>
+          </p:cNvPr>
+          <p:cNvSpPr txBox="1"/>
+          <p:nvPr/>
+        </p:nvSpPr>
+        <p:spPr>
+          <a:xfrm>
+            <a:off x="6096000" y="5515896"/>
+            <a:ext cx="646331" cy="369332"/>
+          </a:xfrm>
+          <a:prstGeom prst="rect">
+            <a:avLst/>
+          </a:prstGeom>
+          <a:noFill/>
+        </p:spPr>
+        <p:txBody>
+          <a:bodyPr wrap="none" rtlCol="0">
+            <a:spAutoFit/>
+          </a:bodyPr>
+          <a:lstStyle/>
+          <a:p>
+            <a:r>
+              <a:rPr kumimoji="1" lang="ko-Kore-KR" altLang="en-US" dirty="0"/>
+              <a:t>재생</a:t>
+            </a:r>
+          </a:p>
+        </p:txBody>
+      </p:sp>
+      <p:sp>
+        <p:nvSpPr>
+          <p:cNvPr id="7" name="TextBox 6">
+            <a:extLst>
+              <a:ext uri="{FF2B5EF4-FFF2-40B4-BE49-F238E27FC236}">
+                <a16:creationId xmlns:a16="http://schemas.microsoft.com/office/drawing/2014/main" id="{E7077453-1C9D-68D8-9744-3FB44551A3C8}"/>
+              </a:ext>
+            </a:extLst>
+          </p:cNvPr>
+          <p:cNvSpPr txBox="1"/>
+          <p:nvPr/>
+        </p:nvSpPr>
+        <p:spPr>
+          <a:xfrm>
+            <a:off x="3844413" y="5515896"/>
+            <a:ext cx="646331" cy="369332"/>
+          </a:xfrm>
+          <a:prstGeom prst="rect">
+            <a:avLst/>
+          </a:prstGeom>
+          <a:noFill/>
+        </p:spPr>
+        <p:txBody>
+          <a:bodyPr wrap="none" rtlCol="0">
+            <a:spAutoFit/>
+          </a:bodyPr>
+          <a:lstStyle/>
+          <a:p>
+            <a:r>
+              <a:rPr kumimoji="1" lang="ko-Kore-KR" altLang="en-US" dirty="0"/>
+              <a:t>정지</a:t>
+            </a:r>
+          </a:p>
+        </p:txBody>
+      </p:sp>
+      <p:sp>
+        <p:nvSpPr>
+          <p:cNvPr id="8" name="TextBox 7">
+            <a:extLst>
+              <a:ext uri="{FF2B5EF4-FFF2-40B4-BE49-F238E27FC236}">
+                <a16:creationId xmlns:a16="http://schemas.microsoft.com/office/drawing/2014/main" id="{A0A8788D-7DD4-4D9C-B3CB-875C99C3967E}"/>
+              </a:ext>
+            </a:extLst>
+          </p:cNvPr>
+          <p:cNvSpPr txBox="1"/>
+          <p:nvPr/>
+        </p:nvSpPr>
+        <p:spPr>
+          <a:xfrm>
+            <a:off x="8096864" y="5501147"/>
+            <a:ext cx="1160895" cy="369332"/>
+          </a:xfrm>
+          <a:prstGeom prst="rect">
+            <a:avLst/>
+          </a:prstGeom>
+          <a:noFill/>
+        </p:spPr>
+        <p:txBody>
+          <a:bodyPr wrap="none" rtlCol="0">
+            <a:spAutoFit/>
+          </a:bodyPr>
+          <a:lstStyle/>
+          <a:p>
+            <a:r>
+              <a:rPr kumimoji="1" lang="ko-Kore-KR" altLang="en-US" dirty="0"/>
+              <a:t>다음</a:t>
+            </a:r>
+            <a:r>
+              <a:rPr kumimoji="1" lang="ko-KR" altLang="en-US" dirty="0"/>
+              <a:t> 문제</a:t>
+            </a:r>
+            <a:endParaRPr kumimoji="1" lang="ko-Kore-KR" altLang="en-US" dirty="0"/>
+          </a:p>
+        </p:txBody>
+      </p:sp>
+      <p:sp>
+        <p:nvSpPr>
+          <p:cNvPr id="9" name="TextBox 8">
+            <a:extLst>
+              <a:ext uri="{FF2B5EF4-FFF2-40B4-BE49-F238E27FC236}">
+                <a16:creationId xmlns:a16="http://schemas.microsoft.com/office/drawing/2014/main" id="{8386D4FF-2BCD-3963-7C1A-56E642B673E7}"/>
+              </a:ext>
+            </a:extLst>
+          </p:cNvPr>
+          <p:cNvSpPr txBox="1"/>
+          <p:nvPr/>
+        </p:nvSpPr>
+        <p:spPr>
+          <a:xfrm>
+            <a:off x="5899010" y="2703870"/>
+            <a:ext cx="646331" cy="369332"/>
+          </a:xfrm>
+          <a:prstGeom prst="rect">
+            <a:avLst/>
+          </a:prstGeom>
+          <a:noFill/>
+        </p:spPr>
+        <p:txBody>
+          <a:bodyPr wrap="none" rtlCol="0">
+            <a:spAutoFit/>
+          </a:bodyPr>
+          <a:lstStyle/>
+          <a:p>
+            <a:r>
+              <a:rPr kumimoji="1" lang="ko-KR" altLang="en-US" dirty="0"/>
+              <a:t>정답</a:t>
+            </a:r>
             <a:endParaRPr kumimoji="1" lang="ko-Kore-KR" altLang="en-US" dirty="0"/>
           </a:p>
         </p:txBody>
@@ -5214,7 +5239,7 @@
     </p:spTree>
     <p:extLst>
       <p:ext uri="{BB962C8B-B14F-4D97-AF65-F5344CB8AC3E}">
-        <p14:creationId xmlns:p14="http://schemas.microsoft.com/office/powerpoint/2010/main" val="3445509599"/>
+        <p14:creationId xmlns:p14="http://schemas.microsoft.com/office/powerpoint/2010/main" val="2916667053"/>
       </p:ext>
     </p:extLst>
   </p:cSld>

--- a/장우민_PPT.pptx
+++ b/장우민_PPT.pptx
@@ -267,7 +267,7 @@
           <a:p>
             <a:fld id="{0476F5DA-C806-2040-A77B-FB7A33C0DEFB}" type="datetimeFigureOut">
               <a:rPr kumimoji="1" lang="ko-Kore-KR" altLang="en-US" smtClean="0"/>
-              <a:t>2023. 6. 20.</a:t>
+              <a:t>2023. 6. 21.</a:t>
             </a:fld>
             <a:endParaRPr kumimoji="1" lang="ko-Kore-KR" altLang="en-US"/>
           </a:p>
@@ -467,7 +467,7 @@
           <a:p>
             <a:fld id="{0476F5DA-C806-2040-A77B-FB7A33C0DEFB}" type="datetimeFigureOut">
               <a:rPr kumimoji="1" lang="ko-Kore-KR" altLang="en-US" smtClean="0"/>
-              <a:t>2023. 6. 20.</a:t>
+              <a:t>2023. 6. 21.</a:t>
             </a:fld>
             <a:endParaRPr kumimoji="1" lang="ko-Kore-KR" altLang="en-US"/>
           </a:p>
@@ -677,7 +677,7 @@
           <a:p>
             <a:fld id="{0476F5DA-C806-2040-A77B-FB7A33C0DEFB}" type="datetimeFigureOut">
               <a:rPr kumimoji="1" lang="ko-Kore-KR" altLang="en-US" smtClean="0"/>
-              <a:t>2023. 6. 20.</a:t>
+              <a:t>2023. 6. 21.</a:t>
             </a:fld>
             <a:endParaRPr kumimoji="1" lang="ko-Kore-KR" altLang="en-US"/>
           </a:p>
@@ -877,7 +877,7 @@
           <a:p>
             <a:fld id="{0476F5DA-C806-2040-A77B-FB7A33C0DEFB}" type="datetimeFigureOut">
               <a:rPr kumimoji="1" lang="ko-Kore-KR" altLang="en-US" smtClean="0"/>
-              <a:t>2023. 6. 20.</a:t>
+              <a:t>2023. 6. 21.</a:t>
             </a:fld>
             <a:endParaRPr kumimoji="1" lang="ko-Kore-KR" altLang="en-US"/>
           </a:p>
@@ -1153,7 +1153,7 @@
           <a:p>
             <a:fld id="{0476F5DA-C806-2040-A77B-FB7A33C0DEFB}" type="datetimeFigureOut">
               <a:rPr kumimoji="1" lang="ko-Kore-KR" altLang="en-US" smtClean="0"/>
-              <a:t>2023. 6. 20.</a:t>
+              <a:t>2023. 6. 21.</a:t>
             </a:fld>
             <a:endParaRPr kumimoji="1" lang="ko-Kore-KR" altLang="en-US"/>
           </a:p>
@@ -1421,7 +1421,7 @@
           <a:p>
             <a:fld id="{0476F5DA-C806-2040-A77B-FB7A33C0DEFB}" type="datetimeFigureOut">
               <a:rPr kumimoji="1" lang="ko-Kore-KR" altLang="en-US" smtClean="0"/>
-              <a:t>2023. 6. 20.</a:t>
+              <a:t>2023. 6. 21.</a:t>
             </a:fld>
             <a:endParaRPr kumimoji="1" lang="ko-Kore-KR" altLang="en-US"/>
           </a:p>
@@ -1836,7 +1836,7 @@
           <a:p>
             <a:fld id="{0476F5DA-C806-2040-A77B-FB7A33C0DEFB}" type="datetimeFigureOut">
               <a:rPr kumimoji="1" lang="ko-Kore-KR" altLang="en-US" smtClean="0"/>
-              <a:t>2023. 6. 20.</a:t>
+              <a:t>2023. 6. 21.</a:t>
             </a:fld>
             <a:endParaRPr kumimoji="1" lang="ko-Kore-KR" altLang="en-US"/>
           </a:p>
@@ -1978,7 +1978,7 @@
           <a:p>
             <a:fld id="{0476F5DA-C806-2040-A77B-FB7A33C0DEFB}" type="datetimeFigureOut">
               <a:rPr kumimoji="1" lang="ko-Kore-KR" altLang="en-US" smtClean="0"/>
-              <a:t>2023. 6. 20.</a:t>
+              <a:t>2023. 6. 21.</a:t>
             </a:fld>
             <a:endParaRPr kumimoji="1" lang="ko-Kore-KR" altLang="en-US"/>
           </a:p>
@@ -2091,7 +2091,7 @@
           <a:p>
             <a:fld id="{0476F5DA-C806-2040-A77B-FB7A33C0DEFB}" type="datetimeFigureOut">
               <a:rPr kumimoji="1" lang="ko-Kore-KR" altLang="en-US" smtClean="0"/>
-              <a:t>2023. 6. 20.</a:t>
+              <a:t>2023. 6. 21.</a:t>
             </a:fld>
             <a:endParaRPr kumimoji="1" lang="ko-Kore-KR" altLang="en-US"/>
           </a:p>
@@ -2404,7 +2404,7 @@
           <a:p>
             <a:fld id="{0476F5DA-C806-2040-A77B-FB7A33C0DEFB}" type="datetimeFigureOut">
               <a:rPr kumimoji="1" lang="ko-Kore-KR" altLang="en-US" smtClean="0"/>
-              <a:t>2023. 6. 20.</a:t>
+              <a:t>2023. 6. 21.</a:t>
             </a:fld>
             <a:endParaRPr kumimoji="1" lang="ko-Kore-KR" altLang="en-US"/>
           </a:p>
@@ -2693,7 +2693,7 @@
           <a:p>
             <a:fld id="{0476F5DA-C806-2040-A77B-FB7A33C0DEFB}" type="datetimeFigureOut">
               <a:rPr kumimoji="1" lang="ko-Kore-KR" altLang="en-US" smtClean="0"/>
-              <a:t>2023. 6. 20.</a:t>
+              <a:t>2023. 6. 21.</a:t>
             </a:fld>
             <a:endParaRPr kumimoji="1" lang="ko-Kore-KR" altLang="en-US"/>
           </a:p>
@@ -2936,7 +2936,7 @@
           <a:p>
             <a:fld id="{0476F5DA-C806-2040-A77B-FB7A33C0DEFB}" type="datetimeFigureOut">
               <a:rPr kumimoji="1" lang="ko-Kore-KR" altLang="en-US" smtClean="0"/>
-              <a:t>2023. 6. 20.</a:t>
+              <a:t>2023. 6. 21.</a:t>
             </a:fld>
             <a:endParaRPr kumimoji="1" lang="ko-Kore-KR" altLang="en-US"/>
           </a:p>
@@ -4760,7 +4760,7 @@
         </p:blipFill>
         <p:spPr>
           <a:xfrm>
-            <a:off x="3094703" y="2883259"/>
+            <a:off x="838200" y="1690688"/>
             <a:ext cx="1485900" cy="1346200"/>
           </a:xfrm>
         </p:spPr>
@@ -4779,7 +4779,7 @@
         </p:nvSpPr>
         <p:spPr>
           <a:xfrm>
-            <a:off x="5456902" y="3429000"/>
+            <a:off x="3054163" y="2151924"/>
             <a:ext cx="3858749" cy="369332"/>
           </a:xfrm>
           <a:prstGeom prst="rect">
@@ -4802,6 +4802,75 @@
               <a:t> 하드에 굴러다니는 음악 파일</a:t>
             </a:r>
             <a:endParaRPr kumimoji="1" lang="ko-Kore-KR" altLang="en-US" dirty="0"/>
+          </a:p>
+        </p:txBody>
+      </p:sp>
+      <p:pic>
+        <p:nvPicPr>
+          <p:cNvPr id="4" name="그림 3" descr="텍스트, 스크린샷, 디자인이(가) 표시된 사진&#10;&#10;자동 생성된 설명">
+            <a:extLst>
+              <a:ext uri="{FF2B5EF4-FFF2-40B4-BE49-F238E27FC236}">
+                <a16:creationId xmlns:a16="http://schemas.microsoft.com/office/drawing/2014/main" id="{762BA06F-07E0-079A-011B-C26D4DABA82F}"/>
+              </a:ext>
+            </a:extLst>
+          </p:cNvPr>
+          <p:cNvPicPr>
+            <a:picLocks noChangeAspect="1"/>
+          </p:cNvPicPr>
+          <p:nvPr/>
+        </p:nvPicPr>
+        <p:blipFill>
+          <a:blip r:embed="rId3"/>
+          <a:stretch>
+            <a:fillRect/>
+          </a:stretch>
+        </p:blipFill>
+        <p:spPr>
+          <a:xfrm>
+            <a:off x="5828310" y="3244053"/>
+            <a:ext cx="6363690" cy="3613947"/>
+          </a:xfrm>
+          <a:prstGeom prst="rect">
+            <a:avLst/>
+          </a:prstGeom>
+        </p:spPr>
+      </p:pic>
+      <p:sp>
+        <p:nvSpPr>
+          <p:cNvPr id="5" name="TextBox 4">
+            <a:extLst>
+              <a:ext uri="{FF2B5EF4-FFF2-40B4-BE49-F238E27FC236}">
+                <a16:creationId xmlns:a16="http://schemas.microsoft.com/office/drawing/2014/main" id="{EF2385F4-E4C3-FCE3-F2CC-4BDA36AF3854}"/>
+              </a:ext>
+            </a:extLst>
+          </p:cNvPr>
+          <p:cNvSpPr txBox="1"/>
+          <p:nvPr/>
+        </p:nvSpPr>
+        <p:spPr>
+          <a:xfrm>
+            <a:off x="4667063" y="4777460"/>
+            <a:ext cx="904415" cy="369332"/>
+          </a:xfrm>
+          <a:prstGeom prst="rect">
+            <a:avLst/>
+          </a:prstGeom>
+          <a:noFill/>
+        </p:spPr>
+        <p:txBody>
+          <a:bodyPr wrap="none" rtlCol="0">
+            <a:spAutoFit/>
+          </a:bodyPr>
+          <a:lstStyle/>
+          <a:p>
+            <a:r>
+              <a:rPr kumimoji="1" lang="en-US" altLang="ko-Kore-KR" dirty="0"/>
+              <a:t>UI </a:t>
+            </a:r>
+            <a:r>
+              <a:rPr kumimoji="1" lang="ko-Kore-KR" altLang="en-US" dirty="0"/>
+              <a:t>에셋</a:t>
+            </a:r>
           </a:p>
         </p:txBody>
       </p:sp>
